--- a/Iris Segmentation.pptx
+++ b/Iris Segmentation.pptx
@@ -380,7 +380,7 @@
           <a:p>
             <a:fld id="{6EE7A52F-9D89-7442-A8E9-48D1527B5F6B}" type="datetimeFigureOut">
               <a:rPr lang="en-US" smtClean="0"/>
-              <a:t>15-Dec-20</a:t>
+              <a:t>16-Dec-20</a:t>
             </a:fld>
             <a:endParaRPr lang="en-US" dirty="0"/>
           </a:p>
@@ -2042,7 +2042,7 @@
             <a:fld id="{6FCA8E82-58CD-E045-8B98-B7A85B79B752}" type="datetime4">
               <a:rPr lang="en-US" smtClean="0"/>
               <a:pPr/>
-              <a:t>December 15, 2020</a:t>
+              <a:t>December 16, 2020</a:t>
             </a:fld>
             <a:endParaRPr lang="en-US" dirty="0">
               <a:latin typeface="+mn-lt"/>
@@ -3172,7 +3172,7 @@
             <a:fld id="{6FCA8E82-58CD-E045-8B98-B7A85B79B752}" type="datetime4">
               <a:rPr lang="en-US" smtClean="0"/>
               <a:pPr/>
-              <a:t>December 15, 2020</a:t>
+              <a:t>December 16, 2020</a:t>
             </a:fld>
             <a:endParaRPr lang="en-US" dirty="0">
               <a:latin typeface="+mn-lt"/>
@@ -4301,7 +4301,7 @@
             <a:fld id="{6FCA8E82-58CD-E045-8B98-B7A85B79B752}" type="datetime4">
               <a:rPr lang="en-US" smtClean="0"/>
               <a:pPr/>
-              <a:t>December 15, 2020</a:t>
+              <a:t>December 16, 2020</a:t>
             </a:fld>
             <a:endParaRPr lang="en-US" dirty="0">
               <a:latin typeface="+mn-lt"/>
@@ -6599,7 +6599,7 @@
             <a:fld id="{6FCA8E82-58CD-E045-8B98-B7A85B79B752}" type="datetime4">
               <a:rPr lang="en-US" smtClean="0"/>
               <a:pPr/>
-              <a:t>December 15, 2020</a:t>
+              <a:t>December 16, 2020</a:t>
             </a:fld>
             <a:endParaRPr lang="en-US" dirty="0">
               <a:latin typeface="+mn-lt"/>
@@ -7234,7 +7234,7 @@
             <a:fld id="{6FCA8E82-58CD-E045-8B98-B7A85B79B752}" type="datetime4">
               <a:rPr lang="en-US" smtClean="0"/>
               <a:pPr/>
-              <a:t>December 15, 2020</a:t>
+              <a:t>December 16, 2020</a:t>
             </a:fld>
             <a:endParaRPr lang="en-US" dirty="0">
               <a:latin typeface="+mn-lt"/>
@@ -8004,7 +8004,7 @@
             <a:fld id="{6FCA8E82-58CD-E045-8B98-B7A85B79B752}" type="datetime4">
               <a:rPr lang="en-US" smtClean="0"/>
               <a:pPr/>
-              <a:t>December 15, 2020</a:t>
+              <a:t>December 16, 2020</a:t>
             </a:fld>
             <a:endParaRPr lang="en-US" dirty="0">
               <a:latin typeface="+mn-lt"/>
@@ -8268,7 +8268,7 @@
             <a:fld id="{6FCA8E82-58CD-E045-8B98-B7A85B79B752}" type="datetime4">
               <a:rPr lang="en-US" smtClean="0"/>
               <a:pPr/>
-              <a:t>December 15, 2020</a:t>
+              <a:t>December 16, 2020</a:t>
             </a:fld>
             <a:endParaRPr lang="en-US" dirty="0">
               <a:latin typeface="+mn-lt"/>
@@ -11191,7 +11191,7 @@
             <a:fld id="{6FCA8E82-58CD-E045-8B98-B7A85B79B752}" type="datetime4">
               <a:rPr lang="en-US" smtClean="0"/>
               <a:pPr/>
-              <a:t>December 15, 2020</a:t>
+              <a:t>December 16, 2020</a:t>
             </a:fld>
             <a:endParaRPr lang="en-US" dirty="0">
               <a:latin typeface="+mn-lt"/>
@@ -12366,7 +12366,7 @@
             <a:fld id="{6FCA8E82-58CD-E045-8B98-B7A85B79B752}" type="datetime4">
               <a:rPr lang="en-US" smtClean="0"/>
               <a:pPr/>
-              <a:t>December 15, 2020</a:t>
+              <a:t>December 16, 2020</a:t>
             </a:fld>
             <a:endParaRPr lang="en-US" dirty="0">
               <a:latin typeface="+mn-lt"/>
@@ -12682,7 +12682,7 @@
             <a:fld id="{6FCA8E82-58CD-E045-8B98-B7A85B79B752}" type="datetime4">
               <a:rPr lang="en-US" smtClean="0"/>
               <a:pPr/>
-              <a:t>December 15, 2020</a:t>
+              <a:t>December 16, 2020</a:t>
             </a:fld>
             <a:endParaRPr lang="en-US" dirty="0">
               <a:latin typeface="+mn-lt"/>
@@ -13822,7 +13822,7 @@
             <a:fld id="{6FCA8E82-58CD-E045-8B98-B7A85B79B752}" type="datetime4">
               <a:rPr lang="en-US" smtClean="0"/>
               <a:pPr/>
-              <a:t>December 15, 2020</a:t>
+              <a:t>December 16, 2020</a:t>
             </a:fld>
             <a:endParaRPr lang="en-US" dirty="0">
               <a:latin typeface="+mn-lt"/>
@@ -14916,7 +14916,7 @@
             <a:fld id="{6FCA8E82-58CD-E045-8B98-B7A85B79B752}" type="datetime4">
               <a:rPr lang="en-US" smtClean="0"/>
               <a:pPr/>
-              <a:t>December 15, 2020</a:t>
+              <a:t>December 16, 2020</a:t>
             </a:fld>
             <a:endParaRPr lang="en-US" dirty="0">
               <a:latin typeface="+mn-lt"/>
@@ -15186,7 +15186,7 @@
             <a:fld id="{6FCA8E82-58CD-E045-8B98-B7A85B79B752}" type="datetime4">
               <a:rPr lang="en-US" smtClean="0"/>
               <a:pPr/>
-              <a:t>December 15, 2020</a:t>
+              <a:t>December 16, 2020</a:t>
             </a:fld>
             <a:endParaRPr lang="en-US" dirty="0"/>
           </a:p>
@@ -15318,7 +15318,7 @@
             <a:fld id="{6FCA8E82-58CD-E045-8B98-B7A85B79B752}" type="datetime4">
               <a:rPr lang="en-US" smtClean="0"/>
               <a:pPr/>
-              <a:t>December 15, 2020</a:t>
+              <a:t>December 16, 2020</a:t>
             </a:fld>
             <a:endParaRPr lang="en-US" dirty="0">
               <a:latin typeface="+mn-lt"/>
@@ -15482,7 +15482,7 @@
             <a:fld id="{6FCA8E82-58CD-E045-8B98-B7A85B79B752}" type="datetime4">
               <a:rPr lang="en-US" smtClean="0"/>
               <a:pPr/>
-              <a:t>December 15, 2020</a:t>
+              <a:t>December 16, 2020</a:t>
             </a:fld>
             <a:endParaRPr lang="en-US" dirty="0">
               <a:latin typeface="+mn-lt"/>
@@ -15867,7 +15867,7 @@
             <a:fld id="{6FCA8E82-58CD-E045-8B98-B7A85B79B752}" type="datetime4">
               <a:rPr lang="en-US" smtClean="0"/>
               <a:pPr/>
-              <a:t>December 15, 2020</a:t>
+              <a:t>December 16, 2020</a:t>
             </a:fld>
             <a:endParaRPr lang="en-US" dirty="0">
               <a:latin typeface="+mn-lt"/>
@@ -15907,8 +15907,8 @@
           </a:p>
         </p:txBody>
       </p:sp>
-      <mc:AlternateContent xmlns:mc="http://schemas.openxmlformats.org/markup-compatibility/2006">
-        <mc:Choice xmlns:a14="http://schemas.microsoft.com/office/drawing/2010/main" Requires="a14">
+      <mc:AlternateContent xmlns:mc="http://schemas.openxmlformats.org/markup-compatibility/2006" xmlns:a14="http://schemas.microsoft.com/office/drawing/2010/main">
+        <mc:Choice Requires="a14">
           <p:sp>
             <p:nvSpPr>
               <p:cNvPr id="7" name="Content Placeholder 3">
@@ -16218,7 +16218,7 @@
             </p:txBody>
           </p:sp>
         </mc:Choice>
-        <mc:Fallback>
+        <mc:Fallback xmlns="">
           <p:sp>
             <p:nvSpPr>
               <p:cNvPr id="7" name="Content Placeholder 3">
@@ -16366,8 +16366,8 @@
           </a:p>
         </p:txBody>
       </p:sp>
-      <mc:AlternateContent xmlns:mc="http://schemas.openxmlformats.org/markup-compatibility/2006">
-        <mc:Choice xmlns:a14="http://schemas.microsoft.com/office/drawing/2010/main" Requires="a14">
+      <mc:AlternateContent xmlns:mc="http://schemas.openxmlformats.org/markup-compatibility/2006" xmlns:a14="http://schemas.microsoft.com/office/drawing/2010/main">
+        <mc:Choice Requires="a14">
           <p:sp>
             <p:nvSpPr>
               <p:cNvPr id="5" name="TextBox 4">
@@ -16677,7 +16677,7 @@
             </p:txBody>
           </p:sp>
         </mc:Choice>
-        <mc:Fallback>
+        <mc:Fallback xmlns="">
           <p:sp>
             <p:nvSpPr>
               <p:cNvPr id="5" name="TextBox 4">
@@ -16848,7 +16848,7 @@
             <a:fld id="{6FCA8E82-58CD-E045-8B98-B7A85B79B752}" type="datetime4">
               <a:rPr lang="en-US" smtClean="0"/>
               <a:pPr/>
-              <a:t>December 15, 2020</a:t>
+              <a:t>December 16, 2020</a:t>
             </a:fld>
             <a:endParaRPr lang="en-US" dirty="0">
               <a:latin typeface="+mn-lt"/>
@@ -16922,8 +16922,8 @@
           </a:ln>
         </p:spPr>
       </p:pic>
-      <mc:AlternateContent xmlns:mc="http://schemas.openxmlformats.org/markup-compatibility/2006">
-        <mc:Choice xmlns:a14="http://schemas.microsoft.com/office/drawing/2010/main" Requires="a14">
+      <mc:AlternateContent xmlns:mc="http://schemas.openxmlformats.org/markup-compatibility/2006" xmlns:a14="http://schemas.microsoft.com/office/drawing/2010/main">
+        <mc:Choice Requires="a14">
           <p:sp>
             <p:nvSpPr>
               <p:cNvPr id="10" name="TextBox 9">
@@ -17219,7 +17219,7 @@
             </p:txBody>
           </p:sp>
         </mc:Choice>
-        <mc:Fallback>
+        <mc:Fallback xmlns="">
           <p:sp>
             <p:nvSpPr>
               <p:cNvPr id="10" name="TextBox 9">
@@ -17373,8 +17373,8 @@
           </a:p>
         </p:txBody>
       </p:sp>
-      <mc:AlternateContent xmlns:mc="http://schemas.openxmlformats.org/markup-compatibility/2006">
-        <mc:Choice xmlns:a14="http://schemas.microsoft.com/office/drawing/2010/main" Requires="a14">
+      <mc:AlternateContent xmlns:mc="http://schemas.openxmlformats.org/markup-compatibility/2006" xmlns:a14="http://schemas.microsoft.com/office/drawing/2010/main">
+        <mc:Choice Requires="a14">
           <p:sp>
             <p:nvSpPr>
               <p:cNvPr id="14" name="TextBox 13">
@@ -17620,7 +17620,7 @@
             </p:txBody>
           </p:sp>
         </mc:Choice>
-        <mc:Fallback>
+        <mc:Fallback xmlns="">
           <p:sp>
             <p:nvSpPr>
               <p:cNvPr id="14" name="TextBox 13">
@@ -17722,8 +17722,8 @@
           </a:p>
         </p:txBody>
       </p:sp>
-      <mc:AlternateContent xmlns:mc="http://schemas.openxmlformats.org/markup-compatibility/2006">
-        <mc:Choice xmlns:a14="http://schemas.microsoft.com/office/drawing/2010/main" Requires="a14">
+      <mc:AlternateContent xmlns:mc="http://schemas.openxmlformats.org/markup-compatibility/2006" xmlns:a14="http://schemas.microsoft.com/office/drawing/2010/main">
+        <mc:Choice Requires="a14">
           <p:sp>
             <p:nvSpPr>
               <p:cNvPr id="17" name="TextBox 16">
@@ -17828,7 +17828,7 @@
             </p:txBody>
           </p:sp>
         </mc:Choice>
-        <mc:Fallback>
+        <mc:Fallback xmlns="">
           <p:sp>
             <p:nvSpPr>
               <p:cNvPr id="17" name="TextBox 16">
@@ -17878,8 +17878,8 @@
           </p:sp>
         </mc:Fallback>
       </mc:AlternateContent>
-      <mc:AlternateContent xmlns:mc="http://schemas.openxmlformats.org/markup-compatibility/2006">
-        <mc:Choice xmlns:a14="http://schemas.microsoft.com/office/drawing/2010/main" Requires="a14">
+      <mc:AlternateContent xmlns:mc="http://schemas.openxmlformats.org/markup-compatibility/2006" xmlns:a14="http://schemas.microsoft.com/office/drawing/2010/main">
+        <mc:Choice Requires="a14">
           <p:sp>
             <p:nvSpPr>
               <p:cNvPr id="21" name="TextBox 20">
@@ -18070,7 +18070,7 @@
             </p:txBody>
           </p:sp>
         </mc:Choice>
-        <mc:Fallback>
+        <mc:Fallback xmlns="">
           <p:sp>
             <p:nvSpPr>
               <p:cNvPr id="21" name="TextBox 20">
@@ -18262,7 +18262,7 @@
             <a:fld id="{6FCA8E82-58CD-E045-8B98-B7A85B79B752}" type="datetime4">
               <a:rPr lang="en-US" smtClean="0"/>
               <a:pPr/>
-              <a:t>December 15, 2020</a:t>
+              <a:t>December 16, 2020</a:t>
             </a:fld>
             <a:endParaRPr lang="en-US" dirty="0">
               <a:latin typeface="+mn-lt"/>
@@ -18694,7 +18694,7 @@
             <a:fld id="{6FCA8E82-58CD-E045-8B98-B7A85B79B752}" type="datetime4">
               <a:rPr lang="en-US" smtClean="0"/>
               <a:pPr/>
-              <a:t>December 15, 2020</a:t>
+              <a:t>December 16, 2020</a:t>
             </a:fld>
             <a:endParaRPr lang="en-US" dirty="0">
               <a:latin typeface="+mn-lt"/>
@@ -19034,7 +19034,7 @@
             <a:fld id="{6FCA8E82-58CD-E045-8B98-B7A85B79B752}" type="datetime4">
               <a:rPr lang="en-US" smtClean="0"/>
               <a:pPr/>
-              <a:t>December 15, 2020</a:t>
+              <a:t>December 16, 2020</a:t>
             </a:fld>
             <a:endParaRPr lang="en-US" dirty="0"/>
           </a:p>
@@ -19130,7 +19130,7 @@
             <a:fld id="{6FCA8E82-58CD-E045-8B98-B7A85B79B752}" type="datetime4">
               <a:rPr lang="en-US" smtClean="0"/>
               <a:pPr/>
-              <a:t>December 15, 2020</a:t>
+              <a:t>December 16, 2020</a:t>
             </a:fld>
             <a:endParaRPr lang="en-US" dirty="0">
               <a:latin typeface="+mn-lt"/>
@@ -19659,7 +19659,7 @@
             <a:fld id="{6FCA8E82-58CD-E045-8B98-B7A85B79B752}" type="datetime4">
               <a:rPr lang="en-US" smtClean="0"/>
               <a:pPr/>
-              <a:t>December 15, 2020</a:t>
+              <a:t>December 16, 2020</a:t>
             </a:fld>
             <a:endParaRPr lang="en-US" dirty="0">
               <a:latin typeface="+mn-lt"/>
@@ -20082,7 +20082,7 @@
             <a:fld id="{6FCA8E82-58CD-E045-8B98-B7A85B79B752}" type="datetime4">
               <a:rPr lang="en-US" smtClean="0"/>
               <a:pPr/>
-              <a:t>December 15, 2020</a:t>
+              <a:t>December 16, 2020</a:t>
             </a:fld>
             <a:endParaRPr lang="en-US" dirty="0">
               <a:latin typeface="+mn-lt"/>
@@ -20205,7 +20205,7 @@
             <a:fld id="{6FCA8E82-58CD-E045-8B98-B7A85B79B752}" type="datetime4">
               <a:rPr lang="en-US" smtClean="0"/>
               <a:pPr/>
-              <a:t>December 15, 2020</a:t>
+              <a:t>December 16, 2020</a:t>
             </a:fld>
             <a:endParaRPr lang="en-US" dirty="0">
               <a:latin typeface="+mn-lt"/>
@@ -20925,7 +20925,7 @@
             <a:fld id="{6FCA8E82-58CD-E045-8B98-B7A85B79B752}" type="datetime4">
               <a:rPr lang="en-US" smtClean="0"/>
               <a:pPr/>
-              <a:t>December 15, 2020</a:t>
+              <a:t>December 16, 2020</a:t>
             </a:fld>
             <a:endParaRPr lang="en-US" dirty="0"/>
           </a:p>
@@ -21323,7 +21323,7 @@
             <a:fld id="{6FCA8E82-58CD-E045-8B98-B7A85B79B752}" type="datetime4">
               <a:rPr lang="en-US" smtClean="0"/>
               <a:pPr/>
-              <a:t>December 15, 2020</a:t>
+              <a:t>December 16, 2020</a:t>
             </a:fld>
             <a:endParaRPr lang="en-US" dirty="0">
               <a:latin typeface="+mn-lt"/>
@@ -21446,7 +21446,7 @@
             <a:fld id="{6FCA8E82-58CD-E045-8B98-B7A85B79B752}" type="datetime4">
               <a:rPr lang="en-US" smtClean="0"/>
               <a:pPr/>
-              <a:t>December 15, 2020</a:t>
+              <a:t>December 16, 2020</a:t>
             </a:fld>
             <a:endParaRPr lang="en-US" dirty="0">
               <a:latin typeface="+mn-lt"/>
@@ -21612,7 +21612,7 @@
             <a:fld id="{6FCA8E82-58CD-E045-8B98-B7A85B79B752}" type="datetime4">
               <a:rPr lang="en-US" smtClean="0"/>
               <a:pPr/>
-              <a:t>December 15, 2020</a:t>
+              <a:t>December 16, 2020</a:t>
             </a:fld>
             <a:endParaRPr lang="en-US" dirty="0">
               <a:latin typeface="+mn-lt"/>
@@ -22107,7 +22107,7 @@
             <a:fld id="{6FCA8E82-58CD-E045-8B98-B7A85B79B752}" type="datetime4">
               <a:rPr lang="en-US" smtClean="0"/>
               <a:pPr/>
-              <a:t>December 15, 2020</a:t>
+              <a:t>December 16, 2020</a:t>
             </a:fld>
             <a:endParaRPr lang="en-US" dirty="0">
               <a:latin typeface="+mn-lt"/>
@@ -22237,7 +22237,7 @@
             <a:fld id="{6FCA8E82-58CD-E045-8B98-B7A85B79B752}" type="datetime4">
               <a:rPr lang="en-US" smtClean="0"/>
               <a:pPr/>
-              <a:t>December 15, 2020</a:t>
+              <a:t>December 16, 2020</a:t>
             </a:fld>
             <a:endParaRPr lang="en-US" dirty="0">
               <a:latin typeface="+mn-lt"/>
@@ -22569,7 +22569,7 @@
             <a:fld id="{6FCA8E82-58CD-E045-8B98-B7A85B79B752}" type="datetime4">
               <a:rPr lang="en-US" smtClean="0"/>
               <a:pPr/>
-              <a:t>December 15, 2020</a:t>
+              <a:t>December 16, 2020</a:t>
             </a:fld>
             <a:endParaRPr lang="en-US" dirty="0"/>
           </a:p>
@@ -23411,21 +23411,21 @@
 </file>
 
 <file path=customXml/item1.xml><?xml version="1.0" encoding="utf-8"?>
+<?mso-contentType ?>
+<FormTemplates xmlns="http://schemas.microsoft.com/sharepoint/v3/contenttype/forms">
+  <Display>DocumentLibraryForm</Display>
+  <Edit>DocumentLibraryForm</Edit>
+  <New>DocumentLibraryForm</New>
+</FormTemplates>
+</file>
+
+<file path=customXml/item2.xml><?xml version="1.0" encoding="utf-8"?>
 <p:properties xmlns:p="http://schemas.microsoft.com/office/2006/metadata/properties" xmlns:xsi="http://www.w3.org/2001/XMLSchema-instance" xmlns:pc="http://schemas.microsoft.com/office/infopath/2007/PartnerControls">
   <documentManagement>
     <Status xmlns="71af3243-3dd4-4a8d-8c0d-dd76da1f02a5">Not started</Status>
     <MediaServiceKeyPoints xmlns="71af3243-3dd4-4a8d-8c0d-dd76da1f02a5" xsi:nil="true"/>
   </documentManagement>
 </p:properties>
-</file>
-
-<file path=customXml/item2.xml><?xml version="1.0" encoding="utf-8"?>
-<?mso-contentType ?>
-<FormTemplates xmlns="http://schemas.microsoft.com/sharepoint/v3/contenttype/forms">
-  <Display>DocumentLibraryForm</Display>
-  <Edit>DocumentLibraryForm</Edit>
-  <New>DocumentLibraryForm</New>
-</FormTemplates>
 </file>
 
 <file path=customXml/item3.xml><?xml version="1.0" encoding="utf-8"?>
@@ -23650,19 +23650,19 @@
 </file>
 
 <file path=customXml/itemProps1.xml><?xml version="1.0" encoding="utf-8"?>
+<ds:datastoreItem xmlns:ds="http://schemas.openxmlformats.org/officeDocument/2006/customXml" ds:itemID="{1D20B6E4-879E-4E6C-BDE7-261540CD3765}">
+  <ds:schemaRefs>
+    <ds:schemaRef ds:uri="http://schemas.microsoft.com/sharepoint/v3/contenttype/forms"/>
+  </ds:schemaRefs>
+</ds:datastoreItem>
+</file>
+
+<file path=customXml/itemProps2.xml><?xml version="1.0" encoding="utf-8"?>
 <ds:datastoreItem xmlns:ds="http://schemas.openxmlformats.org/officeDocument/2006/customXml" ds:itemID="{09EC1AB0-9704-404D-B6D3-819D938AC55B}">
   <ds:schemaRefs>
     <ds:schemaRef ds:uri="http://schemas.microsoft.com/office/2006/metadata/properties"/>
     <ds:schemaRef ds:uri="http://schemas.microsoft.com/office/infopath/2007/PartnerControls"/>
     <ds:schemaRef ds:uri="71af3243-3dd4-4a8d-8c0d-dd76da1f02a5"/>
-  </ds:schemaRefs>
-</ds:datastoreItem>
-</file>
-
-<file path=customXml/itemProps2.xml><?xml version="1.0" encoding="utf-8"?>
-<ds:datastoreItem xmlns:ds="http://schemas.openxmlformats.org/officeDocument/2006/customXml" ds:itemID="{1D20B6E4-879E-4E6C-BDE7-261540CD3765}">
-  <ds:schemaRefs>
-    <ds:schemaRef ds:uri="http://schemas.microsoft.com/sharepoint/v3/contenttype/forms"/>
   </ds:schemaRefs>
 </ds:datastoreItem>
 </file>
